--- a/referencias/Dissertacoes e Propostas/Proposta-Demetrius-apresentacao.pptx
+++ b/referencias/Dissertacoes e Propostas/Proposta-Demetrius-apresentacao.pptx
@@ -4,6 +4,9 @@
   <p:sldMasterIdLst>
     <p:sldMasterId id="2147483720" r:id="rId1"/>
   </p:sldMasterIdLst>
+  <p:notesMasterIdLst>
+    <p:notesMasterId r:id="rId17"/>
+  </p:notesMasterIdLst>
   <p:sldIdLst>
     <p:sldId id="256" r:id="rId2"/>
     <p:sldId id="257" r:id="rId3"/>
@@ -121,6 +124,659 @@
 </p:presentation>
 </file>
 
+<file path=ppt/notesMasters/notesMaster1.xml><?xml version="1.0" encoding="utf-8"?>
+<p:notesMaster xmlns:a="http://schemas.openxmlformats.org/drawingml/2006/main" xmlns:r="http://schemas.openxmlformats.org/officeDocument/2006/relationships" xmlns:p="http://schemas.openxmlformats.org/presentationml/2006/main">
+  <p:cSld>
+    <p:bg>
+      <p:bgRef idx="1001">
+        <a:schemeClr val="bg1"/>
+      </p:bgRef>
+    </p:bg>
+    <p:spTree>
+      <p:nvGrpSpPr>
+        <p:cNvPr id="1" name=""/>
+        <p:cNvGrpSpPr/>
+        <p:nvPr/>
+      </p:nvGrpSpPr>
+      <p:grpSpPr>
+        <a:xfrm>
+          <a:off x="0" y="0"/>
+          <a:ext cx="0" cy="0"/>
+          <a:chOff x="0" y="0"/>
+          <a:chExt cx="0" cy="0"/>
+        </a:xfrm>
+      </p:grpSpPr>
+      <p:sp>
+        <p:nvSpPr>
+          <p:cNvPr id="2" name="Header Placeholder 1"/>
+          <p:cNvSpPr>
+            <a:spLocks noGrp="1"/>
+          </p:cNvSpPr>
+          <p:nvPr>
+            <p:ph type="hdr" sz="quarter"/>
+          </p:nvPr>
+        </p:nvSpPr>
+        <p:spPr>
+          <a:xfrm>
+            <a:off x="0" y="0"/>
+            <a:ext cx="2971800" cy="457200"/>
+          </a:xfrm>
+          <a:prstGeom prst="rect">
+            <a:avLst/>
+          </a:prstGeom>
+        </p:spPr>
+        <p:txBody>
+          <a:bodyPr vert="horz" lIns="91440" tIns="45720" rIns="91440" bIns="45720" rtlCol="0"/>
+          <a:lstStyle>
+            <a:lvl1pPr algn="l">
+              <a:defRPr sz="1200"/>
+            </a:lvl1pPr>
+          </a:lstStyle>
+          <a:p>
+            <a:endParaRPr lang="pt-BR"/>
+          </a:p>
+        </p:txBody>
+      </p:sp>
+      <p:sp>
+        <p:nvSpPr>
+          <p:cNvPr id="3" name="Date Placeholder 2"/>
+          <p:cNvSpPr>
+            <a:spLocks noGrp="1"/>
+          </p:cNvSpPr>
+          <p:nvPr>
+            <p:ph type="dt" idx="1"/>
+          </p:nvPr>
+        </p:nvSpPr>
+        <p:spPr>
+          <a:xfrm>
+            <a:off x="3884613" y="0"/>
+            <a:ext cx="2971800" cy="457200"/>
+          </a:xfrm>
+          <a:prstGeom prst="rect">
+            <a:avLst/>
+          </a:prstGeom>
+        </p:spPr>
+        <p:txBody>
+          <a:bodyPr vert="horz" lIns="91440" tIns="45720" rIns="91440" bIns="45720" rtlCol="0"/>
+          <a:lstStyle>
+            <a:lvl1pPr algn="r">
+              <a:defRPr sz="1200"/>
+            </a:lvl1pPr>
+          </a:lstStyle>
+          <a:p>
+            <a:fld id="{004D57F1-5248-6240-822F-31947865CC86}" type="datetimeFigureOut">
+              <a:rPr lang="en-US" smtClean="0"/>
+              <a:t>9/27/11</a:t>
+            </a:fld>
+            <a:endParaRPr lang="pt-BR"/>
+          </a:p>
+        </p:txBody>
+      </p:sp>
+      <p:sp>
+        <p:nvSpPr>
+          <p:cNvPr id="4" name="Slide Image Placeholder 3"/>
+          <p:cNvSpPr>
+            <a:spLocks noGrp="1" noRot="1" noChangeAspect="1"/>
+          </p:cNvSpPr>
+          <p:nvPr>
+            <p:ph type="sldImg" idx="2"/>
+          </p:nvPr>
+        </p:nvSpPr>
+        <p:spPr>
+          <a:xfrm>
+            <a:off x="1143000" y="685800"/>
+            <a:ext cx="4572000" cy="3429000"/>
+          </a:xfrm>
+          <a:prstGeom prst="rect">
+            <a:avLst/>
+          </a:prstGeom>
+          <a:noFill/>
+          <a:ln w="12700">
+            <a:solidFill>
+              <a:prstClr val="black"/>
+            </a:solidFill>
+          </a:ln>
+        </p:spPr>
+        <p:txBody>
+          <a:bodyPr vert="horz" lIns="91440" tIns="45720" rIns="91440" bIns="45720" rtlCol="0" anchor="ctr"/>
+          <a:lstStyle/>
+          <a:p>
+            <a:endParaRPr lang="pt-BR"/>
+          </a:p>
+        </p:txBody>
+      </p:sp>
+      <p:sp>
+        <p:nvSpPr>
+          <p:cNvPr id="5" name="Notes Placeholder 4"/>
+          <p:cNvSpPr>
+            <a:spLocks noGrp="1"/>
+          </p:cNvSpPr>
+          <p:nvPr>
+            <p:ph type="body" sz="quarter" idx="3"/>
+          </p:nvPr>
+        </p:nvSpPr>
+        <p:spPr>
+          <a:xfrm>
+            <a:off x="685800" y="4343400"/>
+            <a:ext cx="5486400" cy="4114800"/>
+          </a:xfrm>
+          <a:prstGeom prst="rect">
+            <a:avLst/>
+          </a:prstGeom>
+        </p:spPr>
+        <p:txBody>
+          <a:bodyPr vert="horz" lIns="91440" tIns="45720" rIns="91440" bIns="45720" rtlCol="0"/>
+          <a:lstStyle/>
+          <a:p>
+            <a:pPr lvl="0"/>
+            <a:r>
+              <a:rPr lang="x-none" smtClean="0"/>
+              <a:t>Click to edit Master text styles</a:t>
+            </a:r>
+          </a:p>
+          <a:p>
+            <a:pPr lvl="1"/>
+            <a:r>
+              <a:rPr lang="x-none" smtClean="0"/>
+              <a:t>Second level</a:t>
+            </a:r>
+          </a:p>
+          <a:p>
+            <a:pPr lvl="2"/>
+            <a:r>
+              <a:rPr lang="x-none" smtClean="0"/>
+              <a:t>Third level</a:t>
+            </a:r>
+          </a:p>
+          <a:p>
+            <a:pPr lvl="3"/>
+            <a:r>
+              <a:rPr lang="x-none" smtClean="0"/>
+              <a:t>Fourth level</a:t>
+            </a:r>
+          </a:p>
+          <a:p>
+            <a:pPr lvl="4"/>
+            <a:r>
+              <a:rPr lang="x-none" smtClean="0"/>
+              <a:t>Fifth level</a:t>
+            </a:r>
+            <a:endParaRPr lang="pt-BR"/>
+          </a:p>
+        </p:txBody>
+      </p:sp>
+      <p:sp>
+        <p:nvSpPr>
+          <p:cNvPr id="6" name="Footer Placeholder 5"/>
+          <p:cNvSpPr>
+            <a:spLocks noGrp="1"/>
+          </p:cNvSpPr>
+          <p:nvPr>
+            <p:ph type="ftr" sz="quarter" idx="4"/>
+          </p:nvPr>
+        </p:nvSpPr>
+        <p:spPr>
+          <a:xfrm>
+            <a:off x="0" y="8685213"/>
+            <a:ext cx="2971800" cy="457200"/>
+          </a:xfrm>
+          <a:prstGeom prst="rect">
+            <a:avLst/>
+          </a:prstGeom>
+        </p:spPr>
+        <p:txBody>
+          <a:bodyPr vert="horz" lIns="91440" tIns="45720" rIns="91440" bIns="45720" rtlCol="0" anchor="b"/>
+          <a:lstStyle>
+            <a:lvl1pPr algn="l">
+              <a:defRPr sz="1200"/>
+            </a:lvl1pPr>
+          </a:lstStyle>
+          <a:p>
+            <a:endParaRPr lang="pt-BR"/>
+          </a:p>
+        </p:txBody>
+      </p:sp>
+      <p:sp>
+        <p:nvSpPr>
+          <p:cNvPr id="7" name="Slide Number Placeholder 6"/>
+          <p:cNvSpPr>
+            <a:spLocks noGrp="1"/>
+          </p:cNvSpPr>
+          <p:nvPr>
+            <p:ph type="sldNum" sz="quarter" idx="5"/>
+          </p:nvPr>
+        </p:nvSpPr>
+        <p:spPr>
+          <a:xfrm>
+            <a:off x="3884613" y="8685213"/>
+            <a:ext cx="2971800" cy="457200"/>
+          </a:xfrm>
+          <a:prstGeom prst="rect">
+            <a:avLst/>
+          </a:prstGeom>
+        </p:spPr>
+        <p:txBody>
+          <a:bodyPr vert="horz" lIns="91440" tIns="45720" rIns="91440" bIns="45720" rtlCol="0" anchor="b"/>
+          <a:lstStyle>
+            <a:lvl1pPr algn="r">
+              <a:defRPr sz="1200"/>
+            </a:lvl1pPr>
+          </a:lstStyle>
+          <a:p>
+            <a:fld id="{0E50316B-D46E-F847-9F2A-BDA9B0F17F23}" type="slidenum">
+              <a:rPr lang="pt-BR" smtClean="0"/>
+              <a:t>‹#›</a:t>
+            </a:fld>
+            <a:endParaRPr lang="pt-BR"/>
+          </a:p>
+        </p:txBody>
+      </p:sp>
+    </p:spTree>
+    <p:extLst>
+      <p:ext uri="{BB962C8B-B14F-4D97-AF65-F5344CB8AC3E}">
+        <p14:creationId xmlns:p14="http://schemas.microsoft.com/office/powerpoint/2010/main" val="981470942"/>
+      </p:ext>
+    </p:extLst>
+  </p:cSld>
+  <p:clrMap bg1="lt1" tx1="dk1" bg2="lt2" tx2="dk2" accent1="accent1" accent2="accent2" accent3="accent3" accent4="accent4" accent5="accent5" accent6="accent6" hlink="hlink" folHlink="folHlink"/>
+  <p:notesStyle>
+    <a:lvl1pPr marL="0" algn="l" defTabSz="457200" rtl="0" eaLnBrk="1" latinLnBrk="0" hangingPunct="1">
+      <a:defRPr sz="1200" kern="1200">
+        <a:solidFill>
+          <a:schemeClr val="tx1"/>
+        </a:solidFill>
+        <a:latin typeface="+mn-lt"/>
+        <a:ea typeface="+mn-ea"/>
+        <a:cs typeface="+mn-cs"/>
+      </a:defRPr>
+    </a:lvl1pPr>
+    <a:lvl2pPr marL="457200" algn="l" defTabSz="457200" rtl="0" eaLnBrk="1" latinLnBrk="0" hangingPunct="1">
+      <a:defRPr sz="1200" kern="1200">
+        <a:solidFill>
+          <a:schemeClr val="tx1"/>
+        </a:solidFill>
+        <a:latin typeface="+mn-lt"/>
+        <a:ea typeface="+mn-ea"/>
+        <a:cs typeface="+mn-cs"/>
+      </a:defRPr>
+    </a:lvl2pPr>
+    <a:lvl3pPr marL="914400" algn="l" defTabSz="457200" rtl="0" eaLnBrk="1" latinLnBrk="0" hangingPunct="1">
+      <a:defRPr sz="1200" kern="1200">
+        <a:solidFill>
+          <a:schemeClr val="tx1"/>
+        </a:solidFill>
+        <a:latin typeface="+mn-lt"/>
+        <a:ea typeface="+mn-ea"/>
+        <a:cs typeface="+mn-cs"/>
+      </a:defRPr>
+    </a:lvl3pPr>
+    <a:lvl4pPr marL="1371600" algn="l" defTabSz="457200" rtl="0" eaLnBrk="1" latinLnBrk="0" hangingPunct="1">
+      <a:defRPr sz="1200" kern="1200">
+        <a:solidFill>
+          <a:schemeClr val="tx1"/>
+        </a:solidFill>
+        <a:latin typeface="+mn-lt"/>
+        <a:ea typeface="+mn-ea"/>
+        <a:cs typeface="+mn-cs"/>
+      </a:defRPr>
+    </a:lvl4pPr>
+    <a:lvl5pPr marL="1828800" algn="l" defTabSz="457200" rtl="0" eaLnBrk="1" latinLnBrk="0" hangingPunct="1">
+      <a:defRPr sz="1200" kern="1200">
+        <a:solidFill>
+          <a:schemeClr val="tx1"/>
+        </a:solidFill>
+        <a:latin typeface="+mn-lt"/>
+        <a:ea typeface="+mn-ea"/>
+        <a:cs typeface="+mn-cs"/>
+      </a:defRPr>
+    </a:lvl5pPr>
+    <a:lvl6pPr marL="2286000" algn="l" defTabSz="457200" rtl="0" eaLnBrk="1" latinLnBrk="0" hangingPunct="1">
+      <a:defRPr sz="1200" kern="1200">
+        <a:solidFill>
+          <a:schemeClr val="tx1"/>
+        </a:solidFill>
+        <a:latin typeface="+mn-lt"/>
+        <a:ea typeface="+mn-ea"/>
+        <a:cs typeface="+mn-cs"/>
+      </a:defRPr>
+    </a:lvl6pPr>
+    <a:lvl7pPr marL="2743200" algn="l" defTabSz="457200" rtl="0" eaLnBrk="1" latinLnBrk="0" hangingPunct="1">
+      <a:defRPr sz="1200" kern="1200">
+        <a:solidFill>
+          <a:schemeClr val="tx1"/>
+        </a:solidFill>
+        <a:latin typeface="+mn-lt"/>
+        <a:ea typeface="+mn-ea"/>
+        <a:cs typeface="+mn-cs"/>
+      </a:defRPr>
+    </a:lvl7pPr>
+    <a:lvl8pPr marL="3200400" algn="l" defTabSz="457200" rtl="0" eaLnBrk="1" latinLnBrk="0" hangingPunct="1">
+      <a:defRPr sz="1200" kern="1200">
+        <a:solidFill>
+          <a:schemeClr val="tx1"/>
+        </a:solidFill>
+        <a:latin typeface="+mn-lt"/>
+        <a:ea typeface="+mn-ea"/>
+        <a:cs typeface="+mn-cs"/>
+      </a:defRPr>
+    </a:lvl8pPr>
+    <a:lvl9pPr marL="3657600" algn="l" defTabSz="457200" rtl="0" eaLnBrk="1" latinLnBrk="0" hangingPunct="1">
+      <a:defRPr sz="1200" kern="1200">
+        <a:solidFill>
+          <a:schemeClr val="tx1"/>
+        </a:solidFill>
+        <a:latin typeface="+mn-lt"/>
+        <a:ea typeface="+mn-ea"/>
+        <a:cs typeface="+mn-cs"/>
+      </a:defRPr>
+    </a:lvl9pPr>
+  </p:notesStyle>
+</p:notesMaster>
+</file>
+
+<file path=ppt/notesSlides/notesSlide1.xml><?xml version="1.0" encoding="utf-8"?>
+<p:notes xmlns:a="http://schemas.openxmlformats.org/drawingml/2006/main" xmlns:r="http://schemas.openxmlformats.org/officeDocument/2006/relationships" xmlns:p="http://schemas.openxmlformats.org/presentationml/2006/main">
+  <p:cSld>
+    <p:spTree>
+      <p:nvGrpSpPr>
+        <p:cNvPr id="1" name=""/>
+        <p:cNvGrpSpPr/>
+        <p:nvPr/>
+      </p:nvGrpSpPr>
+      <p:grpSpPr>
+        <a:xfrm>
+          <a:off x="0" y="0"/>
+          <a:ext cx="0" cy="0"/>
+          <a:chOff x="0" y="0"/>
+          <a:chExt cx="0" cy="0"/>
+        </a:xfrm>
+      </p:grpSpPr>
+      <p:sp>
+        <p:nvSpPr>
+          <p:cNvPr id="2" name="Slide Image Placeholder 1"/>
+          <p:cNvSpPr>
+            <a:spLocks noGrp="1" noRot="1" noChangeAspect="1"/>
+          </p:cNvSpPr>
+          <p:nvPr>
+            <p:ph type="sldImg"/>
+          </p:nvPr>
+        </p:nvSpPr>
+        <p:spPr/>
+      </p:sp>
+      <p:sp>
+        <p:nvSpPr>
+          <p:cNvPr id="3" name="Notes Placeholder 2"/>
+          <p:cNvSpPr>
+            <a:spLocks noGrp="1"/>
+          </p:cNvSpPr>
+          <p:nvPr>
+            <p:ph type="body" idx="1"/>
+          </p:nvPr>
+        </p:nvSpPr>
+        <p:spPr/>
+        <p:txBody>
+          <a:bodyPr/>
+          <a:lstStyle/>
+          <a:p>
+            <a:r>
+              <a:rPr lang="pt-BR" sz="1200" b="1" kern="1200" dirty="0" smtClean="0">
+                <a:solidFill>
+                  <a:schemeClr val="tx1"/>
+                </a:solidFill>
+                <a:effectLst/>
+                <a:latin typeface="+mn-lt"/>
+                <a:ea typeface="+mn-ea"/>
+                <a:cs typeface="+mn-cs"/>
+              </a:rPr>
+              <a:t>Internet World </a:t>
+            </a:r>
+            <a:r>
+              <a:rPr lang="pt-BR" sz="1200" b="1" kern="1200" dirty="0" err="1" smtClean="0">
+                <a:solidFill>
+                  <a:schemeClr val="tx1"/>
+                </a:solidFill>
+                <a:effectLst/>
+                <a:latin typeface="+mn-lt"/>
+                <a:ea typeface="+mn-ea"/>
+                <a:cs typeface="+mn-cs"/>
+              </a:rPr>
+              <a:t>Stats</a:t>
+            </a:r>
+            <a:r>
+              <a:rPr lang="pt-BR" sz="1200" kern="1200" dirty="0" smtClean="0">
+                <a:solidFill>
+                  <a:schemeClr val="tx1"/>
+                </a:solidFill>
+                <a:effectLst/>
+                <a:latin typeface="+mn-lt"/>
+                <a:ea typeface="+mn-ea"/>
+                <a:cs typeface="+mn-cs"/>
+              </a:rPr>
+              <a:t>, 2011</a:t>
+            </a:r>
+            <a:r>
+              <a:rPr lang="en-US" sz="1200" kern="1200" baseline="0" dirty="0" smtClean="0">
+                <a:solidFill>
+                  <a:schemeClr val="tx1"/>
+                </a:solidFill>
+                <a:effectLst/>
+                <a:latin typeface="+mn-lt"/>
+                <a:ea typeface="+mn-ea"/>
+                <a:cs typeface="+mn-cs"/>
+              </a:rPr>
+              <a:t> </a:t>
+            </a:r>
+            <a:r>
+              <a:rPr lang="en-US" sz="1200" kern="1200" baseline="0" dirty="0" err="1" smtClean="0">
+                <a:solidFill>
+                  <a:schemeClr val="tx1"/>
+                </a:solidFill>
+                <a:effectLst/>
+                <a:latin typeface="+mn-lt"/>
+                <a:ea typeface="+mn-ea"/>
+                <a:cs typeface="+mn-cs"/>
+              </a:rPr>
+              <a:t>principais</a:t>
+            </a:r>
+            <a:r>
+              <a:rPr lang="en-US" sz="1200" kern="1200" baseline="0" dirty="0" smtClean="0">
+                <a:solidFill>
+                  <a:schemeClr val="tx1"/>
+                </a:solidFill>
+                <a:effectLst/>
+                <a:latin typeface="+mn-lt"/>
+                <a:ea typeface="+mn-ea"/>
+                <a:cs typeface="+mn-cs"/>
+              </a:rPr>
+              <a:t> </a:t>
+            </a:r>
+          </a:p>
+          <a:p>
+            <a:r>
+              <a:rPr lang="en-US" sz="1200" kern="1200" baseline="0" dirty="0" smtClean="0">
+                <a:solidFill>
+                  <a:schemeClr val="tx1"/>
+                </a:solidFill>
+                <a:effectLst/>
+                <a:latin typeface="+mn-lt"/>
+                <a:ea typeface="+mn-ea"/>
+                <a:cs typeface="+mn-cs"/>
+              </a:rPr>
+              <a:t>160 </a:t>
+            </a:r>
+            <a:r>
+              <a:rPr lang="en-US" sz="1200" kern="1200" baseline="0" dirty="0" err="1" smtClean="0">
+                <a:solidFill>
+                  <a:schemeClr val="tx1"/>
+                </a:solidFill>
+                <a:effectLst/>
+                <a:latin typeface="+mn-lt"/>
+                <a:ea typeface="+mn-ea"/>
+                <a:cs typeface="+mn-cs"/>
+              </a:rPr>
+              <a:t>colaboradores</a:t>
+            </a:r>
+            <a:r>
+              <a:rPr lang="en-US" sz="1200" kern="1200" baseline="0" dirty="0" smtClean="0">
+                <a:solidFill>
+                  <a:schemeClr val="tx1"/>
+                </a:solidFill>
+                <a:effectLst/>
+                <a:latin typeface="+mn-lt"/>
+                <a:ea typeface="+mn-ea"/>
+                <a:cs typeface="+mn-cs"/>
+              </a:rPr>
+              <a:t> 8500 </a:t>
+            </a:r>
+            <a:r>
+              <a:rPr lang="en-US" sz="1200" kern="1200" baseline="0" dirty="0" err="1" smtClean="0">
+                <a:solidFill>
+                  <a:schemeClr val="tx1"/>
+                </a:solidFill>
+                <a:effectLst/>
+                <a:latin typeface="+mn-lt"/>
+                <a:ea typeface="+mn-ea"/>
+                <a:cs typeface="+mn-cs"/>
+              </a:rPr>
+              <a:t>materias</a:t>
+            </a:r>
+            <a:r>
+              <a:rPr lang="en-US" sz="1200" kern="1200" baseline="0" dirty="0" smtClean="0">
+                <a:solidFill>
+                  <a:schemeClr val="tx1"/>
+                </a:solidFill>
+                <a:effectLst/>
+                <a:latin typeface="+mn-lt"/>
+                <a:ea typeface="+mn-ea"/>
+                <a:cs typeface="+mn-cs"/>
+              </a:rPr>
+              <a:t> 5600 </a:t>
+            </a:r>
+            <a:r>
+              <a:rPr lang="en-US" sz="1200" kern="1200" baseline="0" dirty="0" err="1" smtClean="0">
+                <a:solidFill>
+                  <a:schemeClr val="tx1"/>
+                </a:solidFill>
+                <a:effectLst/>
+                <a:latin typeface="+mn-lt"/>
+                <a:ea typeface="+mn-ea"/>
+                <a:cs typeface="+mn-cs"/>
+              </a:rPr>
+              <a:t>recomendadas</a:t>
+            </a:r>
+            <a:r>
+              <a:rPr lang="en-US" sz="1200" kern="1200" baseline="0" dirty="0" smtClean="0">
+                <a:solidFill>
+                  <a:schemeClr val="tx1"/>
+                </a:solidFill>
+                <a:effectLst/>
+                <a:latin typeface="+mn-lt"/>
+                <a:ea typeface="+mn-ea"/>
+                <a:cs typeface="+mn-cs"/>
+              </a:rPr>
+              <a:t> </a:t>
+            </a:r>
+            <a:r>
+              <a:rPr lang="en-US" sz="1200" kern="1200" baseline="0" dirty="0" err="1" smtClean="0">
+                <a:solidFill>
+                  <a:schemeClr val="tx1"/>
+                </a:solidFill>
+                <a:effectLst/>
+                <a:latin typeface="+mn-lt"/>
+                <a:ea typeface="+mn-ea"/>
+                <a:cs typeface="+mn-cs"/>
+              </a:rPr>
+              <a:t>manualmente</a:t>
+            </a:r>
+            <a:r>
+              <a:rPr lang="en-US" sz="1200" kern="1200" baseline="0" dirty="0" smtClean="0">
+                <a:solidFill>
+                  <a:schemeClr val="tx1"/>
+                </a:solidFill>
+                <a:effectLst/>
+                <a:latin typeface="+mn-lt"/>
+                <a:ea typeface="+mn-ea"/>
+                <a:cs typeface="+mn-cs"/>
+              </a:rPr>
+              <a:t> </a:t>
+            </a:r>
+            <a:r>
+              <a:rPr lang="en-US" sz="1200" kern="1200" baseline="0" dirty="0" err="1" smtClean="0">
+                <a:solidFill>
+                  <a:schemeClr val="tx1"/>
+                </a:solidFill>
+                <a:effectLst/>
+                <a:latin typeface="+mn-lt"/>
+                <a:ea typeface="+mn-ea"/>
+                <a:cs typeface="+mn-cs"/>
+              </a:rPr>
+              <a:t>em</a:t>
+            </a:r>
+            <a:r>
+              <a:rPr lang="en-US" sz="1200" kern="1200" baseline="0" dirty="0" smtClean="0">
+                <a:solidFill>
+                  <a:schemeClr val="tx1"/>
+                </a:solidFill>
+                <a:effectLst/>
+                <a:latin typeface="+mn-lt"/>
+                <a:ea typeface="+mn-ea"/>
+                <a:cs typeface="+mn-cs"/>
+              </a:rPr>
+              <a:t> 12/08</a:t>
+            </a:r>
+          </a:p>
+          <a:p>
+            <a:endParaRPr lang="en-US" sz="1200" kern="1200" baseline="0" dirty="0" smtClean="0">
+              <a:solidFill>
+                <a:schemeClr val="tx1"/>
+              </a:solidFill>
+              <a:effectLst/>
+              <a:latin typeface="+mn-lt"/>
+              <a:ea typeface="+mn-ea"/>
+              <a:cs typeface="+mn-cs"/>
+            </a:endParaRPr>
+          </a:p>
+          <a:p>
+            <a:endParaRPr lang="pt-BR" dirty="0"/>
+          </a:p>
+        </p:txBody>
+      </p:sp>
+      <p:sp>
+        <p:nvSpPr>
+          <p:cNvPr id="4" name="Slide Number Placeholder 3"/>
+          <p:cNvSpPr>
+            <a:spLocks noGrp="1"/>
+          </p:cNvSpPr>
+          <p:nvPr>
+            <p:ph type="sldNum" sz="quarter" idx="10"/>
+          </p:nvPr>
+        </p:nvSpPr>
+        <p:spPr/>
+        <p:txBody>
+          <a:bodyPr/>
+          <a:lstStyle/>
+          <a:p>
+            <a:fld id="{0E50316B-D46E-F847-9F2A-BDA9B0F17F23}" type="slidenum">
+              <a:rPr lang="pt-BR" smtClean="0"/>
+              <a:t>3</a:t>
+            </a:fld>
+            <a:endParaRPr lang="pt-BR"/>
+          </a:p>
+        </p:txBody>
+      </p:sp>
+    </p:spTree>
+    <p:extLst>
+      <p:ext uri="{BB962C8B-B14F-4D97-AF65-F5344CB8AC3E}">
+        <p14:creationId xmlns:p14="http://schemas.microsoft.com/office/powerpoint/2010/main" val="53681718"/>
+      </p:ext>
+    </p:extLst>
+  </p:cSld>
+  <p:clrMapOvr>
+    <a:masterClrMapping/>
+  </p:clrMapOvr>
+</p:notes>
+</file>
+
 <file path=ppt/slideLayouts/slideLayout1.xml><?xml version="1.0" encoding="utf-8"?>
 <p:sldLayout xmlns:a="http://schemas.openxmlformats.org/drawingml/2006/main" xmlns:r="http://schemas.openxmlformats.org/officeDocument/2006/relationships" xmlns:p="http://schemas.openxmlformats.org/presentationml/2006/main" showMasterSp="0" type="title" preserve="1">
   <p:cSld name="Title Slide">
@@ -408,7 +1064,7 @@
             <a:fld id="{2B035C69-4360-41D2-90D5-EA4FC44EFC9A}" type="datetimeFigureOut">
               <a:rPr lang="en-US" smtClean="0"/>
               <a:pPr/>
-              <a:t>9/11/11</a:t>
+              <a:t>9/27/11</a:t>
             </a:fld>
             <a:endParaRPr lang="en-US"/>
           </a:p>
@@ -601,7 +1257,7 @@
             <a:fld id="{2B035C69-4360-41D2-90D5-EA4FC44EFC9A}" type="datetimeFigureOut">
               <a:rPr lang="en-US" smtClean="0"/>
               <a:pPr/>
-              <a:t>9/11/11</a:t>
+              <a:t>9/27/11</a:t>
             </a:fld>
             <a:endParaRPr lang="en-US"/>
           </a:p>
@@ -783,7 +1439,7 @@
             <a:fld id="{2B035C69-4360-41D2-90D5-EA4FC44EFC9A}" type="datetimeFigureOut">
               <a:rPr lang="en-US" smtClean="0"/>
               <a:pPr/>
-              <a:t>9/11/11</a:t>
+              <a:t>9/27/11</a:t>
             </a:fld>
             <a:endParaRPr lang="en-US"/>
           </a:p>
@@ -1048,7 +1704,7 @@
             <a:fld id="{2B035C69-4360-41D2-90D5-EA4FC44EFC9A}" type="datetimeFigureOut">
               <a:rPr lang="en-US" smtClean="0"/>
               <a:pPr/>
-              <a:t>9/11/11</a:t>
+              <a:t>9/27/11</a:t>
             </a:fld>
             <a:endParaRPr lang="en-US"/>
           </a:p>
@@ -1461,7 +2117,7 @@
             <a:fld id="{2B035C69-4360-41D2-90D5-EA4FC44EFC9A}" type="datetimeFigureOut">
               <a:rPr lang="en-US" smtClean="0"/>
               <a:pPr/>
-              <a:t>9/11/11</a:t>
+              <a:t>9/27/11</a:t>
             </a:fld>
             <a:endParaRPr lang="en-US"/>
           </a:p>
@@ -1705,7 +2361,7 @@
             <a:fld id="{2B035C69-4360-41D2-90D5-EA4FC44EFC9A}" type="datetimeFigureOut">
               <a:rPr lang="en-US" smtClean="0"/>
               <a:pPr/>
-              <a:t>9/11/11</a:t>
+              <a:t>9/27/11</a:t>
             </a:fld>
             <a:endParaRPr lang="en-US"/>
           </a:p>
@@ -1943,7 +2599,7 @@
             <a:fld id="{2B035C69-4360-41D2-90D5-EA4FC44EFC9A}" type="datetimeFigureOut">
               <a:rPr lang="en-US" smtClean="0"/>
               <a:pPr/>
-              <a:t>9/11/11</a:t>
+              <a:t>9/27/11</a:t>
             </a:fld>
             <a:endParaRPr lang="en-US"/>
           </a:p>
@@ -2140,7 +2796,7 @@
             <a:fld id="{2B035C69-4360-41D2-90D5-EA4FC44EFC9A}" type="datetimeFigureOut">
               <a:rPr lang="en-US" smtClean="0"/>
               <a:pPr/>
-              <a:t>9/11/11</a:t>
+              <a:t>9/27/11</a:t>
             </a:fld>
             <a:endParaRPr lang="en-US"/>
           </a:p>
@@ -2240,7 +2896,7 @@
             <a:fld id="{2B035C69-4360-41D2-90D5-EA4FC44EFC9A}" type="datetimeFigureOut">
               <a:rPr lang="en-US" smtClean="0"/>
               <a:pPr/>
-              <a:t>9/11/11</a:t>
+              <a:t>9/27/11</a:t>
             </a:fld>
             <a:endParaRPr lang="en-US"/>
           </a:p>
@@ -2378,7 +3034,7 @@
             <a:fld id="{2B035C69-4360-41D2-90D5-EA4FC44EFC9A}" type="datetimeFigureOut">
               <a:rPr lang="en-US" smtClean="0"/>
               <a:pPr/>
-              <a:t>9/11/11</a:t>
+              <a:t>9/27/11</a:t>
             </a:fld>
             <a:endParaRPr lang="en-US"/>
           </a:p>
@@ -2893,7 +3549,7 @@
             <a:fld id="{2B035C69-4360-41D2-90D5-EA4FC44EFC9A}" type="datetimeFigureOut">
               <a:rPr lang="en-US" smtClean="0"/>
               <a:pPr/>
-              <a:t>9/11/11</a:t>
+              <a:t>9/27/11</a:t>
             </a:fld>
             <a:endParaRPr lang="en-US"/>
           </a:p>
@@ -3156,7 +3812,7 @@
             <a:fld id="{2B035C69-4360-41D2-90D5-EA4FC44EFC9A}" type="datetimeFigureOut">
               <a:rPr lang="en-US" smtClean="0"/>
               <a:pPr/>
-              <a:t>9/11/11</a:t>
+              <a:t>9/27/11</a:t>
             </a:fld>
             <a:endParaRPr lang="en-US"/>
           </a:p>
@@ -3714,10 +4370,10 @@
           <a:lstStyle/>
           <a:p>
             <a:r>
-              <a:rPr lang="pt-BR" sz="2800" smtClean="0"/>
-              <a:t>Sistema de recomendação baseado em conteúdo para suporte a produção de artigos do portal techtudo</a:t>
-            </a:r>
-            <a:endParaRPr lang="pt-BR" sz="2800"/>
+              <a:rPr lang="pt-BR" sz="2800" dirty="0" smtClean="0"/>
+              <a:t>Sistema de recomendação hibrido para suporte a produção de artigos do portal techtudo</a:t>
+            </a:r>
+            <a:endParaRPr lang="pt-BR" sz="2800" dirty="0"/>
           </a:p>
         </p:txBody>
       </p:sp>
@@ -3739,22 +4395,22 @@
           <a:lstStyle/>
           <a:p>
             <a:r>
-              <a:rPr lang="pt-BR" smtClean="0"/>
+              <a:rPr lang="pt-BR" dirty="0" smtClean="0"/>
               <a:t>Proposta de dissertação</a:t>
             </a:r>
           </a:p>
           <a:p>
             <a:r>
-              <a:rPr lang="pt-BR" smtClean="0"/>
+              <a:rPr lang="pt-BR" dirty="0" smtClean="0"/>
               <a:t>Autor: Demetrius Rapello</a:t>
             </a:r>
           </a:p>
           <a:p>
             <a:r>
-              <a:rPr lang="pt-BR" smtClean="0"/>
+              <a:rPr lang="pt-BR" dirty="0" smtClean="0"/>
               <a:t>Orientador: Marco Antonio Casanova</a:t>
             </a:r>
-            <a:endParaRPr lang="pt-BR"/>
+            <a:endParaRPr lang="pt-BR" dirty="0"/>
           </a:p>
         </p:txBody>
       </p:sp>
@@ -3806,10 +4462,10 @@
           <a:lstStyle/>
           <a:p>
             <a:r>
-              <a:rPr lang="pt-BR" smtClean="0"/>
+              <a:rPr lang="pt-BR" dirty="0" smtClean="0"/>
               <a:t>Plano de ação</a:t>
             </a:r>
-            <a:endParaRPr lang="pt-BR"/>
+            <a:endParaRPr lang="pt-BR" dirty="0"/>
           </a:p>
         </p:txBody>
       </p:sp>
@@ -3832,79 +4488,34 @@
           <a:p>
             <a:r>
               <a:rPr lang="pt-BR" dirty="0" smtClean="0"/>
-              <a:t>Fase de pré-processamento com aplicação de técnicas de mineração de texto para limpeza dos dados</a:t>
+              <a:t>Fase de extração com aplicação de técnicas de mineração de texto para limpeza dos dados</a:t>
+            </a:r>
+          </a:p>
+          <a:p>
+            <a:r>
+              <a:rPr lang="pt-BR" dirty="0" smtClean="0"/>
+              <a:t>Fase de Seleção de candidatos.</a:t>
             </a:r>
           </a:p>
           <a:p>
             <a:pPr lvl="1"/>
             <a:r>
-              <a:rPr lang="pt-BR" dirty="0" err="1" smtClean="0"/>
-              <a:t>Tokenization</a:t>
-            </a:r>
-            <a:r>
               <a:rPr lang="pt-BR" dirty="0" smtClean="0"/>
-              <a:t>, exclusão de stop </a:t>
-            </a:r>
-            <a:r>
-              <a:rPr lang="pt-BR" dirty="0" err="1" smtClean="0"/>
-              <a:t>words</a:t>
-            </a:r>
-            <a:endParaRPr lang="pt-BR" dirty="0" smtClean="0"/>
-          </a:p>
-          <a:p>
+              <a:t>Utilização de Entidades Informadas</a:t>
+            </a:r>
+          </a:p>
+          <a:p>
+            <a:pPr lvl="1"/>
             <a:r>
               <a:rPr lang="pt-BR" dirty="0" smtClean="0"/>
-              <a:t>Elaboração de estratégias de consulta.</a:t>
+              <a:t>Proximidade de datas do evento</a:t>
             </a:r>
           </a:p>
           <a:p>
             <a:pPr lvl="1"/>
             <a:r>
               <a:rPr lang="pt-BR" dirty="0" smtClean="0"/>
-              <a:t>Utilização de </a:t>
-            </a:r>
-            <a:r>
-              <a:rPr lang="pt-BR" dirty="0" smtClean="0"/>
-              <a:t>Entidades Reconhecidas e Informadas</a:t>
-            </a:r>
-            <a:endParaRPr lang="pt-BR" dirty="0" smtClean="0"/>
-          </a:p>
-          <a:p>
-            <a:pPr lvl="1"/>
-            <a:r>
-              <a:rPr lang="pt-BR" dirty="0" smtClean="0"/>
-              <a:t>Posicionamento </a:t>
-            </a:r>
-            <a:r>
-              <a:rPr lang="pt-BR" dirty="0" smtClean="0"/>
-              <a:t>de Palavras (no título, no primeiro parágrafo)</a:t>
-            </a:r>
-          </a:p>
-          <a:p>
-            <a:pPr lvl="1"/>
-            <a:r>
-              <a:rPr lang="pt-BR" dirty="0" smtClean="0"/>
-              <a:t>Utilização de </a:t>
-            </a:r>
-            <a:r>
-              <a:rPr lang="pt-BR" dirty="0" err="1" smtClean="0"/>
-              <a:t>Informa</a:t>
-            </a:r>
-            <a:r>
-              <a:rPr lang="pt-BR" dirty="0" err="1" smtClean="0"/>
-              <a:t>çõem</a:t>
-            </a:r>
-            <a:r>
-              <a:rPr lang="pt-BR" dirty="0" smtClean="0"/>
-              <a:t> em </a:t>
-            </a:r>
-            <a:r>
-              <a:rPr lang="pt-BR" dirty="0" err="1" smtClean="0"/>
-              <a:t>Bold</a:t>
-            </a:r>
-            <a:r>
-              <a:rPr lang="pt-BR" dirty="0" smtClean="0"/>
-              <a:t> no texto</a:t>
+              <a:t>Posicionamento de palavras ( quando aparece no titulo tem peso maior)</a:t>
             </a:r>
             <a:endParaRPr lang="pt-BR" dirty="0"/>
           </a:p>
@@ -3958,10 +4569,10 @@
           <a:lstStyle/>
           <a:p>
             <a:r>
-              <a:rPr lang="pt-BR" smtClean="0"/>
+              <a:rPr lang="pt-BR" dirty="0" smtClean="0"/>
               <a:t>Plano de ação</a:t>
             </a:r>
-            <a:endParaRPr lang="pt-BR"/>
+            <a:endParaRPr lang="pt-BR" dirty="0"/>
           </a:p>
         </p:txBody>
       </p:sp>
@@ -3984,18 +4595,14 @@
           <a:p>
             <a:r>
               <a:rPr lang="pt-BR" dirty="0" smtClean="0"/>
-              <a:t>Fase de avaliação de recomendações</a:t>
+              <a:t>Fase de filtragem</a:t>
             </a:r>
           </a:p>
           <a:p>
             <a:pPr lvl="1"/>
             <a:r>
               <a:rPr lang="x-none" dirty="0" smtClean="0"/>
-              <a:t>Utiliza</a:t>
-            </a:r>
-            <a:r>
-              <a:rPr lang="x-none" dirty="0" smtClean="0"/>
-              <a:t>ção de dados do analytics para validação do algorítimo proposto</a:t>
+              <a:t>Utilização de matriz item-item gerada a partir de dados do analytics para validação do algorítimo proposto</a:t>
             </a:r>
             <a:endParaRPr lang="pt-BR" dirty="0"/>
           </a:p>
@@ -4054,10 +4661,10 @@
           <a:lstStyle/>
           <a:p>
             <a:r>
-              <a:rPr lang="pt-BR" smtClean="0"/>
+              <a:rPr lang="pt-BR" dirty="0" smtClean="0"/>
               <a:t>Cronograma</a:t>
             </a:r>
-            <a:endParaRPr lang="pt-BR"/>
+            <a:endParaRPr lang="pt-BR" dirty="0"/>
           </a:p>
         </p:txBody>
       </p:sp>
@@ -4083,7 +4690,7 @@
           <a:graphicData uri="http://schemas.openxmlformats.org/presentationml/2006/ole">
             <mc:AlternateContent xmlns:mc="http://schemas.openxmlformats.org/markup-compatibility/2006">
               <mc:Choice xmlns:v="urn:schemas-microsoft-com:vml" Requires="v">
-                <p:oleObj spid="_x0000_s2064" name="Document" r:id="rId3" imgW="5842000" imgH="2387600" progId="Word.Document.12">
+                <p:oleObj spid="_x0000_s2073" name="Document" r:id="rId3" imgW="5842000" imgH="2387600" progId="Word.Document.12">
                   <p:link updateAutomatic="1"/>
                 </p:oleObj>
               </mc:Choice>
@@ -4166,7 +4773,7 @@
           <a:lstStyle/>
           <a:p>
             <a:r>
-              <a:rPr lang="en-US" dirty="0" err="1" smtClean="0"/>
+              <a:rPr lang="en-US" dirty="0" smtClean="0"/>
               <a:t>Referências</a:t>
             </a:r>
             <a:endParaRPr lang="en-US" dirty="0"/>
@@ -4219,23 +4826,7 @@
             </a:pPr>
             <a:r>
               <a:rPr lang="en-US" sz="1400" dirty="0"/>
-              <a:t>3 - [MIN-LING ZHANG, JOSE M. PENÃ AND VICTOR ROBLES – 2009]. Feature Selection for Multi-Label Naive Bayes Classification: College of Computer and </a:t>
-            </a:r>
-            <a:r>
-              <a:rPr lang="en-US" sz="1400" dirty="0" err="1"/>
-              <a:t>Infor</a:t>
-            </a:r>
-            <a:r>
-              <a:rPr lang="en-US" sz="1400" dirty="0"/>
-              <a:t>- </a:t>
-            </a:r>
-            <a:r>
-              <a:rPr lang="en-US" sz="1400" dirty="0" err="1"/>
-              <a:t>mation</a:t>
-            </a:r>
-            <a:r>
-              <a:rPr lang="en-US" sz="1400" dirty="0"/>
-              <a:t> Engineering, </a:t>
+              <a:t>3 - [MIN-LING ZHANG, JOSE M. PENÃ AND VICTOR ROBLES – 2009]. Feature Selection for Multi-Label Naive Bayes Classification: College of Computer and Infor- mation Engineering, </a:t>
             </a:r>
             <a:r>
               <a:rPr lang="en-US" sz="1400" dirty="0" err="1"/>
@@ -4799,7 +5390,127 @@
             </a:r>
             <a:r>
               <a:rPr lang="en-US" sz="1400" dirty="0"/>
-              <a:t>, Miyahara, Takasaki, Japan</a:t>
+              <a:t>, Miyahara, Takasaki, </a:t>
+            </a:r>
+            <a:r>
+              <a:rPr lang="en-US" sz="1400" dirty="0" smtClean="0"/>
+              <a:t>Japan</a:t>
+            </a:r>
+            <a:endParaRPr lang="en-US" sz="1400" dirty="0"/>
+          </a:p>
+          <a:p>
+            <a:pPr marL="0" indent="0">
+              <a:buNone/>
+            </a:pPr>
+            <a:r>
+              <a:rPr lang="en-US" sz="1400" dirty="0"/>
+              <a:t>13 – [WORLD WIDE WEB SIZE] Daily Estimated Size, 2011 </a:t>
+            </a:r>
+            <a:r>
+              <a:rPr lang="en-US" sz="1400" dirty="0" err="1"/>
+              <a:t>Disponivel</a:t>
+            </a:r>
+            <a:r>
+              <a:rPr lang="en-US" sz="1400" dirty="0"/>
+              <a:t> </a:t>
+            </a:r>
+            <a:r>
+              <a:rPr lang="en-US" sz="1400" dirty="0" err="1"/>
+              <a:t>em</a:t>
+            </a:r>
+            <a:r>
+              <a:rPr lang="en-US" sz="1400" dirty="0"/>
+              <a:t>: &lt;http://</a:t>
+            </a:r>
+            <a:r>
+              <a:rPr lang="en-US" sz="1400" dirty="0" err="1"/>
+              <a:t>www.worldwidewebsize.com</a:t>
+            </a:r>
+            <a:r>
+              <a:rPr lang="en-US" sz="1400" dirty="0"/>
+              <a:t>/&gt;. </a:t>
+            </a:r>
+            <a:r>
+              <a:rPr lang="en-US" sz="1400" dirty="0" err="1"/>
+              <a:t>Acesso</a:t>
+            </a:r>
+            <a:r>
+              <a:rPr lang="en-US" sz="1400" dirty="0"/>
+              <a:t> </a:t>
+            </a:r>
+            <a:r>
+              <a:rPr lang="en-US" sz="1400" dirty="0" err="1"/>
+              <a:t>em</a:t>
+            </a:r>
+            <a:r>
+              <a:rPr lang="en-US" sz="1400" dirty="0"/>
+              <a:t>: 08 Jul 2011</a:t>
+            </a:r>
+            <a:r>
+              <a:rPr lang="en-US" sz="1400" dirty="0" smtClean="0"/>
+              <a:t>.</a:t>
+            </a:r>
+            <a:endParaRPr lang="en-US" sz="1400" dirty="0"/>
+          </a:p>
+          <a:p>
+            <a:pPr marL="0" indent="0">
+              <a:buNone/>
+            </a:pPr>
+            <a:r>
+              <a:rPr lang="en-US" sz="1400" dirty="0"/>
+              <a:t>14 – [MINIWATTS MARKETING GROUP] Internet World Stats, 2011. </a:t>
+            </a:r>
+            <a:r>
+              <a:rPr lang="en-US" sz="1400" dirty="0" err="1"/>
+              <a:t>Disponivel</a:t>
+            </a:r>
+            <a:r>
+              <a:rPr lang="en-US" sz="1400" dirty="0"/>
+              <a:t> </a:t>
+            </a:r>
+            <a:r>
+              <a:rPr lang="en-US" sz="1400" dirty="0" err="1"/>
+              <a:t>em</a:t>
+            </a:r>
+            <a:r>
+              <a:rPr lang="en-US" sz="1400" dirty="0"/>
+              <a:t>: &lt;http://</a:t>
+            </a:r>
+            <a:r>
+              <a:rPr lang="en-US" sz="1400" dirty="0" err="1"/>
+              <a:t>www.internetworldstats.com</a:t>
+            </a:r>
+            <a:r>
+              <a:rPr lang="en-US" sz="1400" dirty="0"/>
+              <a:t>/</a:t>
+            </a:r>
+            <a:r>
+              <a:rPr lang="en-US" sz="1400" dirty="0" err="1"/>
+              <a:t>stats.htm</a:t>
+            </a:r>
+            <a:r>
+              <a:rPr lang="en-US" sz="1400" dirty="0"/>
+              <a:t>&gt;. </a:t>
+            </a:r>
+            <a:r>
+              <a:rPr lang="en-US" sz="1400" dirty="0" err="1"/>
+              <a:t>Acesso</a:t>
+            </a:r>
+            <a:r>
+              <a:rPr lang="en-US" sz="1400" dirty="0"/>
+              <a:t> </a:t>
+            </a:r>
+            <a:r>
+              <a:rPr lang="en-US" sz="1400" dirty="0" err="1"/>
+              <a:t>em</a:t>
+            </a:r>
+            <a:r>
+              <a:rPr lang="en-US" sz="1400" dirty="0"/>
+              <a:t>: 19 Jan 2011</a:t>
+            </a:r>
+            <a:r>
+              <a:rPr lang="en-US" sz="1400" dirty="0" smtClean="0"/>
+              <a:t>.</a:t>
             </a:r>
           </a:p>
           <a:p>
@@ -4813,112 +5524,286 @@
               <a:buNone/>
             </a:pPr>
             <a:r>
+              <a:rPr lang="pt-BR" sz="1400" dirty="0" smtClean="0"/>
+              <a:t>15 </a:t>
+            </a:r>
+            <a:r>
+              <a:rPr lang="pt-BR" sz="1400" dirty="0"/>
+              <a:t>– [Greg </a:t>
+            </a:r>
+            <a:r>
+              <a:rPr lang="pt-BR" sz="1400" dirty="0" err="1"/>
+              <a:t>Linden</a:t>
+            </a:r>
+            <a:r>
+              <a:rPr lang="pt-BR" sz="1400" dirty="0"/>
+              <a:t>, Brent Smith, Jeremy York] </a:t>
+            </a:r>
+            <a:r>
+              <a:rPr lang="pt-BR" sz="1400" b="1" dirty="0"/>
+              <a:t>Amazon.com </a:t>
+            </a:r>
+            <a:r>
+              <a:rPr lang="pt-BR" sz="1400" b="1" dirty="0" err="1"/>
+              <a:t>Recommendations</a:t>
+            </a:r>
+            <a:r>
+              <a:rPr lang="pt-BR" sz="1400" b="1" dirty="0"/>
+              <a:t> Item-</a:t>
+            </a:r>
+            <a:r>
+              <a:rPr lang="pt-BR" sz="1400" b="1" dirty="0" err="1"/>
+              <a:t>to</a:t>
+            </a:r>
+            <a:r>
+              <a:rPr lang="pt-BR" sz="1400" b="1" dirty="0"/>
+              <a:t>-Item </a:t>
+            </a:r>
+            <a:r>
+              <a:rPr lang="pt-BR" sz="1400" b="1" dirty="0" err="1"/>
+              <a:t>Collaborative</a:t>
+            </a:r>
+            <a:r>
+              <a:rPr lang="pt-BR" sz="1400" b="1" dirty="0"/>
+              <a:t> </a:t>
+            </a:r>
+            <a:r>
+              <a:rPr lang="pt-BR" sz="1400" b="1" dirty="0" err="1"/>
+              <a:t>Filtering</a:t>
+            </a:r>
+            <a:r>
+              <a:rPr lang="pt-BR" sz="1400" dirty="0"/>
+              <a:t>, 2003 - </a:t>
+            </a:r>
+            <a:r>
               <a:rPr lang="en-US" sz="1400" dirty="0"/>
-              <a:t>13 – [WORLD WIDE WEB SIZE] Daily Estimated Size, 2011 </a:t>
-            </a:r>
-            <a:r>
-              <a:rPr lang="en-US" sz="1400" dirty="0" err="1"/>
-              <a:t>Disponivel</a:t>
-            </a:r>
-            <a:r>
-              <a:rPr lang="en-US" sz="1400" dirty="0"/>
+              <a:t>IEEE INTERNET COMPUTING</a:t>
+            </a:r>
+            <a:r>
+              <a:rPr lang="pt-BR" sz="1400" dirty="0" smtClean="0"/>
+              <a:t>.</a:t>
+            </a:r>
+            <a:endParaRPr lang="en-US" sz="1400" dirty="0"/>
+          </a:p>
+          <a:p>
+            <a:pPr marL="0" indent="0">
+              <a:buNone/>
+            </a:pPr>
+            <a:r>
+              <a:rPr lang="pt-BR" sz="1400" dirty="0"/>
+              <a:t>16 - [James Davidson, Benjamin </a:t>
+            </a:r>
+            <a:r>
+              <a:rPr lang="pt-BR" sz="1400" dirty="0" err="1"/>
+              <a:t>Liebald</a:t>
+            </a:r>
+            <a:r>
+              <a:rPr lang="pt-BR" sz="1400" dirty="0"/>
+              <a:t>, </a:t>
+            </a:r>
+            <a:r>
+              <a:rPr lang="pt-BR" sz="1400" dirty="0" err="1"/>
+              <a:t>Junning</a:t>
+            </a:r>
+            <a:r>
+              <a:rPr lang="pt-BR" sz="1400" dirty="0"/>
+              <a:t> Liu] - </a:t>
+            </a:r>
+            <a:r>
+              <a:rPr lang="pt-BR" sz="1400" b="1" dirty="0"/>
+              <a:t>The </a:t>
+            </a:r>
+            <a:r>
+              <a:rPr lang="pt-BR" sz="1400" b="1" dirty="0" err="1"/>
+              <a:t>YouTube</a:t>
+            </a:r>
+            <a:r>
+              <a:rPr lang="pt-BR" sz="1400" b="1" dirty="0"/>
               <a:t> </a:t>
             </a:r>
             <a:r>
-              <a:rPr lang="en-US" sz="1400" dirty="0" err="1"/>
-              <a:t>em</a:t>
-            </a:r>
-            <a:r>
-              <a:rPr lang="en-US" sz="1400" dirty="0"/>
-              <a:t>: &lt;http://</a:t>
-            </a:r>
-            <a:r>
-              <a:rPr lang="en-US" sz="1400" dirty="0" err="1"/>
-              <a:t>www.worldwidewebsize.com</a:t>
-            </a:r>
-            <a:r>
-              <a:rPr lang="en-US" sz="1400" dirty="0"/>
-              <a:t>/&gt;. </a:t>
-            </a:r>
-            <a:r>
-              <a:rPr lang="en-US" sz="1400" dirty="0" err="1"/>
-              <a:t>Acesso</a:t>
-            </a:r>
-            <a:r>
-              <a:rPr lang="en-US" sz="1400" dirty="0"/>
+              <a:rPr lang="pt-BR" sz="1400" b="1" dirty="0" err="1"/>
+              <a:t>Video</a:t>
+            </a:r>
+            <a:r>
+              <a:rPr lang="pt-BR" sz="1400" b="1" dirty="0"/>
               <a:t> </a:t>
             </a:r>
             <a:r>
-              <a:rPr lang="en-US" sz="1400" dirty="0" err="1"/>
-              <a:t>em</a:t>
-            </a:r>
-            <a:r>
-              <a:rPr lang="en-US" sz="1400" dirty="0"/>
-              <a:t>: 08 Jul 2011.</a:t>
-            </a:r>
+              <a:rPr lang="pt-BR" sz="1400" b="1" dirty="0" err="1"/>
+              <a:t>Recommendation</a:t>
+            </a:r>
+            <a:r>
+              <a:rPr lang="pt-BR" sz="1400" b="1" dirty="0"/>
+              <a:t> System</a:t>
+            </a:r>
+            <a:r>
+              <a:rPr lang="pt-BR" sz="1400" dirty="0"/>
+              <a:t>, 2010, Google </a:t>
+            </a:r>
+            <a:r>
+              <a:rPr lang="pt-BR" sz="1400" dirty="0" err="1" smtClean="0"/>
+              <a:t>Inc</a:t>
+            </a:r>
+            <a:endParaRPr lang="en-US" sz="1400" dirty="0"/>
+          </a:p>
+          <a:p>
+            <a:pPr marL="0" indent="0">
+              <a:buNone/>
+            </a:pPr>
+            <a:r>
+              <a:rPr lang="pt-BR" sz="1400" dirty="0"/>
+              <a:t>17 - [</a:t>
+            </a:r>
+            <a:r>
+              <a:rPr lang="pt-BR" sz="1400" dirty="0" err="1"/>
+              <a:t>Ying</a:t>
+            </a:r>
+            <a:r>
+              <a:rPr lang="pt-BR" sz="1400" dirty="0"/>
+              <a:t> Huang] - </a:t>
+            </a:r>
+            <a:r>
+              <a:rPr lang="pt-BR" sz="1400" b="1" dirty="0" err="1"/>
+              <a:t>An</a:t>
+            </a:r>
+            <a:r>
+              <a:rPr lang="pt-BR" sz="1400" b="1" dirty="0"/>
+              <a:t> </a:t>
+            </a:r>
+            <a:r>
+              <a:rPr lang="pt-BR" sz="1400" b="1" dirty="0" err="1"/>
+              <a:t>Intelligent</a:t>
+            </a:r>
+            <a:r>
+              <a:rPr lang="pt-BR" sz="1400" b="1" dirty="0"/>
+              <a:t> </a:t>
+            </a:r>
+            <a:r>
+              <a:rPr lang="pt-BR" sz="1400" b="1" dirty="0" err="1"/>
+              <a:t>adaptative</a:t>
+            </a:r>
+            <a:r>
+              <a:rPr lang="pt-BR" sz="1400" b="1" dirty="0"/>
+              <a:t> </a:t>
+            </a:r>
+            <a:r>
+              <a:rPr lang="pt-BR" sz="1400" b="1" dirty="0" err="1"/>
+              <a:t>news</a:t>
+            </a:r>
+            <a:r>
+              <a:rPr lang="pt-BR" sz="1400" b="1" dirty="0"/>
+              <a:t> </a:t>
+            </a:r>
+            <a:r>
+              <a:rPr lang="pt-BR" sz="1400" b="1" dirty="0" err="1"/>
+              <a:t>filtering</a:t>
+            </a:r>
+            <a:r>
+              <a:rPr lang="pt-BR" sz="1400" b="1" dirty="0"/>
+              <a:t> system</a:t>
+            </a:r>
+            <a:r>
+              <a:rPr lang="pt-BR" sz="1400" dirty="0"/>
+              <a:t>, 2001, </a:t>
+            </a:r>
+            <a:r>
+              <a:rPr lang="pt-BR" sz="1400" dirty="0" err="1"/>
+              <a:t>University</a:t>
+            </a:r>
+            <a:r>
+              <a:rPr lang="pt-BR" sz="1400" dirty="0"/>
+              <a:t> </a:t>
+            </a:r>
+            <a:r>
+              <a:rPr lang="pt-BR" sz="1400" dirty="0" err="1"/>
+              <a:t>of</a:t>
+            </a:r>
+            <a:r>
+              <a:rPr lang="pt-BR" sz="1400" dirty="0"/>
+              <a:t> Science &amp; Technology </a:t>
+            </a:r>
+            <a:r>
+              <a:rPr lang="pt-BR" sz="1400" dirty="0" err="1"/>
+              <a:t>of</a:t>
+            </a:r>
+            <a:r>
+              <a:rPr lang="pt-BR" sz="1400" dirty="0"/>
+              <a:t> China. </a:t>
+            </a:r>
+            <a:endParaRPr lang="en-US" sz="1400" dirty="0"/>
+          </a:p>
+          <a:p>
+            <a:pPr marL="0" indent="0">
+              <a:buNone/>
+            </a:pPr>
+            <a:r>
+              <a:rPr lang="pt-BR" sz="1400" dirty="0"/>
+              <a:t>18 - [</a:t>
+            </a:r>
+            <a:r>
+              <a:rPr lang="pt-BR" sz="1400" dirty="0" err="1"/>
+              <a:t>Abhinandan</a:t>
+            </a:r>
+            <a:r>
+              <a:rPr lang="pt-BR" sz="1400" dirty="0"/>
+              <a:t> Das, </a:t>
+            </a:r>
+            <a:r>
+              <a:rPr lang="pt-BR" sz="1400" dirty="0" err="1"/>
+              <a:t>Mayur</a:t>
+            </a:r>
+            <a:r>
+              <a:rPr lang="pt-BR" sz="1400" dirty="0"/>
+              <a:t> Datar Google,] </a:t>
+            </a:r>
+            <a:r>
+              <a:rPr lang="pt-BR" sz="1400" b="1" dirty="0"/>
+              <a:t>Google News </a:t>
+            </a:r>
+            <a:r>
+              <a:rPr lang="pt-BR" sz="1400" b="1" dirty="0" err="1"/>
+              <a:t>Personalization</a:t>
+            </a:r>
+            <a:r>
+              <a:rPr lang="pt-BR" sz="1400" b="1" dirty="0"/>
+              <a:t>: </a:t>
+            </a:r>
+            <a:r>
+              <a:rPr lang="pt-BR" sz="1400" b="1" dirty="0" err="1"/>
+              <a:t>Scalable</a:t>
+            </a:r>
+            <a:r>
+              <a:rPr lang="pt-BR" sz="1400" b="1" dirty="0"/>
+              <a:t> Online </a:t>
+            </a:r>
+            <a:r>
+              <a:rPr lang="pt-BR" sz="1400" b="1" dirty="0" err="1"/>
+              <a:t>Collaborative</a:t>
+            </a:r>
+            <a:r>
+              <a:rPr lang="pt-BR" sz="1400" b="1" dirty="0"/>
+              <a:t> </a:t>
+            </a:r>
+            <a:r>
+              <a:rPr lang="pt-BR" sz="1400" b="1" dirty="0" err="1"/>
+              <a:t>Filtering</a:t>
+            </a:r>
+            <a:r>
+              <a:rPr lang="pt-BR" sz="1400" dirty="0"/>
+              <a:t>, 2007,  Google </a:t>
+            </a:r>
+            <a:r>
+              <a:rPr lang="pt-BR" sz="1400" dirty="0" err="1"/>
+              <a:t>Inc</a:t>
+            </a:r>
+            <a:endParaRPr lang="en-US" sz="1400" dirty="0"/>
           </a:p>
           <a:p>
             <a:pPr marL="0" indent="0">
               <a:buNone/>
             </a:pPr>
             <a:endParaRPr lang="en-US" sz="1400" dirty="0"/>
-          </a:p>
-          <a:p>
-            <a:pPr marL="0" indent="0">
-              <a:buNone/>
-            </a:pPr>
-            <a:r>
-              <a:rPr lang="en-US" sz="1400" dirty="0"/>
-              <a:t>14 – [MINIWATTS MARKETING GROUP] Internet World Stats, 2011. </a:t>
-            </a:r>
-            <a:r>
-              <a:rPr lang="en-US" sz="1400" dirty="0" err="1"/>
-              <a:t>Disponivel</a:t>
-            </a:r>
-            <a:r>
-              <a:rPr lang="en-US" sz="1400" dirty="0"/>
-              <a:t> </a:t>
-            </a:r>
-            <a:r>
-              <a:rPr lang="en-US" sz="1400" dirty="0" err="1"/>
-              <a:t>em</a:t>
-            </a:r>
-            <a:r>
-              <a:rPr lang="en-US" sz="1400" dirty="0"/>
-              <a:t>: &lt;http://</a:t>
-            </a:r>
-            <a:r>
-              <a:rPr lang="en-US" sz="1400" dirty="0" err="1"/>
-              <a:t>www.internetworldstats.com</a:t>
-            </a:r>
-            <a:r>
-              <a:rPr lang="en-US" sz="1400" dirty="0"/>
-              <a:t>/</a:t>
-            </a:r>
-            <a:r>
-              <a:rPr lang="en-US" sz="1400" dirty="0" err="1"/>
-              <a:t>stats.htm</a:t>
-            </a:r>
-            <a:r>
-              <a:rPr lang="en-US" sz="1400" dirty="0"/>
-              <a:t>&gt;. </a:t>
-            </a:r>
-            <a:r>
-              <a:rPr lang="en-US" sz="1400" dirty="0" err="1"/>
-              <a:t>Acesso</a:t>
-            </a:r>
-            <a:r>
-              <a:rPr lang="en-US" sz="1400" dirty="0"/>
-              <a:t> </a:t>
-            </a:r>
-            <a:r>
-              <a:rPr lang="en-US" sz="1400" dirty="0" err="1"/>
-              <a:t>em</a:t>
-            </a:r>
-            <a:r>
-              <a:rPr lang="en-US" sz="1400" dirty="0"/>
-              <a:t>: 19 Jan 2011.</a:t>
-            </a:r>
           </a:p>
           <a:p>
             <a:pPr marL="0" indent="0">
@@ -4981,10 +5866,10 @@
           <a:lstStyle/>
           <a:p>
             <a:r>
-              <a:rPr lang="pt-BR" smtClean="0"/>
+              <a:rPr lang="pt-BR" dirty="0" smtClean="0"/>
               <a:t>Agenda</a:t>
             </a:r>
-            <a:endParaRPr lang="pt-BR"/>
+            <a:endParaRPr lang="pt-BR" dirty="0"/>
           </a:p>
         </p:txBody>
       </p:sp>
@@ -5141,17 +6026,6 @@
             </a:r>
           </a:p>
           <a:p>
-            <a:pPr lvl="1"/>
-            <a:r>
-              <a:rPr lang="en-US" dirty="0" smtClean="0"/>
-              <a:t>N</a:t>
-            </a:r>
-            <a:r>
-              <a:rPr lang="pt-BR" dirty="0" smtClean="0"/>
-              <a:t>úmero de usuários na internet corresponde a 30% da população mundial</a:t>
-            </a:r>
-          </a:p>
-          <a:p>
             <a:r>
               <a:rPr lang="pt-BR" dirty="0" smtClean="0"/>
               <a:t>Sistema de produção de matérias do techtudo</a:t>
@@ -5227,10 +6101,10 @@
           <a:lstStyle/>
           <a:p>
             <a:r>
-              <a:rPr lang="pt-BR" smtClean="0"/>
+              <a:rPr lang="pt-BR" dirty="0" smtClean="0"/>
               <a:t>Desafios</a:t>
             </a:r>
-            <a:endParaRPr lang="pt-BR"/>
+            <a:endParaRPr lang="pt-BR" dirty="0"/>
           </a:p>
         </p:txBody>
       </p:sp>
@@ -5250,20 +6124,12 @@
           <a:lstStyle/>
           <a:p>
             <a:r>
+              <a:rPr lang="en-US" dirty="0"/>
+              <a:t>P</a:t>
+            </a:r>
+            <a:r>
               <a:rPr lang="pt-BR" dirty="0" smtClean="0"/>
-              <a:t>Descobrir as melhores estratégia para consulta de conteúdos na base de dados</a:t>
-            </a:r>
-          </a:p>
-          <a:p>
-            <a:pPr marL="0" indent="0">
-              <a:buNone/>
-            </a:pPr>
-            <a:endParaRPr lang="pt-BR" dirty="0" smtClean="0"/>
-          </a:p>
-          <a:p>
-            <a:r>
-              <a:rPr lang="pt-BR" dirty="0" smtClean="0"/>
-              <a:t>Critérios para avaliação da acurácia do sistema proposto</a:t>
+              <a:t>redição de interesses do usuário através do reconhecimento do feedback implícito para recomendação de conteúdo.</a:t>
             </a:r>
           </a:p>
         </p:txBody>
@@ -5364,21 +6230,30 @@
             </a:r>
             <a:r>
               <a:rPr lang="pt-BR" dirty="0" smtClean="0"/>
-              <a:t>em conteúdo para filtrar artigos da base </a:t>
-            </a:r>
-            <a:r>
-              <a:rPr lang="pt-BR" dirty="0" err="1" smtClean="0"/>
-              <a:t>PubMed</a:t>
-            </a:r>
-            <a:r>
-              <a:rPr lang="pt-BR" dirty="0" smtClean="0"/>
-              <a:t>.</a:t>
+              <a:t>em conteúdo para filtrar artigos da base PubMed.</a:t>
             </a:r>
             <a:r>
               <a:rPr lang="en-US" dirty="0" smtClean="0"/>
               <a:t> </a:t>
             </a:r>
+            <a:endParaRPr lang="en-US" dirty="0" smtClean="0"/>
+          </a:p>
+          <a:p>
+            <a:pPr marL="0" indent="0">
+              <a:buNone/>
+            </a:pPr>
             <a:endParaRPr lang="pt-BR" dirty="0"/>
+          </a:p>
+          <a:p>
+            <a:r>
+              <a:rPr lang="pt-BR" dirty="0" smtClean="0"/>
+              <a:t>Google </a:t>
+            </a:r>
+            <a:r>
+              <a:rPr lang="pt-BR" dirty="0" err="1" smtClean="0"/>
+              <a:t>news</a:t>
+            </a:r>
+            <a:endParaRPr lang="pt-BR" dirty="0" smtClean="0"/>
           </a:p>
         </p:txBody>
       </p:sp>
@@ -5430,10 +6305,10 @@
           <a:lstStyle/>
           <a:p>
             <a:r>
-              <a:rPr lang="pt-BR" smtClean="0"/>
+              <a:rPr lang="pt-BR" dirty="0" smtClean="0"/>
               <a:t>Estado da Arte</a:t>
             </a:r>
-            <a:endParaRPr lang="pt-BR"/>
+            <a:endParaRPr lang="pt-BR" dirty="0"/>
           </a:p>
         </p:txBody>
       </p:sp>
@@ -5454,11 +6329,7 @@
           <a:p>
             <a:r>
               <a:rPr lang="pt-BR" dirty="0" smtClean="0"/>
-              <a:t>Sistemas de </a:t>
-            </a:r>
-            <a:r>
-              <a:rPr lang="pt-BR" dirty="0" smtClean="0"/>
-              <a:t>Recomendação</a:t>
+              <a:t>Sistemas de Recomendação</a:t>
             </a:r>
           </a:p>
           <a:p>
@@ -5469,39 +6340,15 @@
             </a:r>
             <a:r>
               <a:rPr lang="pt-BR" dirty="0" smtClean="0"/>
-              <a:t>rize da </a:t>
-            </a:r>
-            <a:r>
-              <a:rPr lang="pt-BR" dirty="0" err="1" smtClean="0"/>
-              <a:t>NetFlix</a:t>
-            </a:r>
-            <a:endParaRPr lang="pt-BR" dirty="0" smtClean="0"/>
+              <a:t>rize da NetFlix</a:t>
+            </a:r>
+            <a:endParaRPr lang="pt-BR" dirty="0"/>
           </a:p>
           <a:p>
             <a:pPr lvl="1"/>
-            <a:endParaRPr lang="pt-BR" dirty="0"/>
-          </a:p>
-          <a:p>
-            <a:pPr lvl="1"/>
             <a:r>
               <a:rPr lang="pt-BR" dirty="0" smtClean="0"/>
-              <a:t>Baseado em filtragem de </a:t>
-            </a:r>
-            <a:r>
-              <a:rPr lang="pt-BR" dirty="0" smtClean="0"/>
-              <a:t>c</a:t>
-            </a:r>
-            <a:r>
-              <a:rPr lang="pt-BR" dirty="0" smtClean="0"/>
-              <a:t>onte</a:t>
-            </a:r>
-            <a:r>
-              <a:rPr lang="pt-BR" dirty="0" smtClean="0"/>
-              <a:t>ú</a:t>
-            </a:r>
-            <a:r>
-              <a:rPr lang="pt-BR" dirty="0" smtClean="0"/>
-              <a:t>do</a:t>
+              <a:t>Baseado em filtragem de conteúdo</a:t>
             </a:r>
           </a:p>
           <a:p>
@@ -5510,7 +6357,6 @@
               <a:rPr lang="pt-BR" dirty="0" smtClean="0"/>
               <a:t>Baseado em filtragem colaborativa</a:t>
             </a:r>
-            <a:endParaRPr lang="pt-BR" dirty="0" smtClean="0"/>
           </a:p>
           <a:p>
             <a:pPr marL="0" indent="0">
@@ -5611,7 +6457,7 @@
           <a:graphicData uri="http://schemas.openxmlformats.org/presentationml/2006/ole">
             <mc:AlternateContent xmlns:mc="http://schemas.openxmlformats.org/markup-compatibility/2006">
               <mc:Choice xmlns:v="urn:schemas-microsoft-com:vml" Requires="v">
-                <p:oleObj spid="_x0000_s1040" name="Document" r:id="rId3" imgW="5511800" imgH="2235200" progId="Word.Document.12">
+                <p:oleObj spid="_x0000_s1049" name="Document" r:id="rId3" imgW="5511800" imgH="2235200" progId="Word.Document.12">
                   <p:link updateAutomatic="1"/>
                 </p:oleObj>
               </mc:Choice>
@@ -5724,13 +6570,8 @@
           <a:p>
             <a:r>
               <a:rPr lang="pt-BR" dirty="0" smtClean="0"/>
-              <a:t>Utilizar base de conhecimento de entidades para ajudar na </a:t>
-            </a:r>
-            <a:r>
-              <a:rPr lang="pt-BR" dirty="0" smtClean="0"/>
-              <a:t>recomendação</a:t>
-            </a:r>
-            <a:endParaRPr lang="pt-BR" dirty="0" smtClean="0"/>
+              <a:t>Utilizar matriz item-item de feedback implícito para ajuda na recomendação de itens</a:t>
+            </a:r>
           </a:p>
         </p:txBody>
       </p:sp>
@@ -5782,7 +6623,7 @@
           <a:lstStyle/>
           <a:p>
             <a:r>
-              <a:rPr lang="en-US" dirty="0" err="1" smtClean="0"/>
+              <a:rPr lang="en-US" dirty="0" smtClean="0"/>
               <a:t>Proposta</a:t>
             </a:r>
             <a:endParaRPr lang="en-US" dirty="0"/>
@@ -6119,4 +6960,324 @@
   <a:objectDefaults/>
   <a:extraClrSchemeLst/>
 </a:theme>
+</file>
+
+<file path=ppt/theme/theme2.xml><?xml version="1.0" encoding="utf-8"?>
+<a:theme xmlns:a="http://schemas.openxmlformats.org/drawingml/2006/main" name="Office Theme">
+  <a:themeElements>
+    <a:clrScheme name="Office">
+      <a:dk1>
+        <a:sysClr val="windowText" lastClr="000000"/>
+      </a:dk1>
+      <a:lt1>
+        <a:sysClr val="window" lastClr="FFFFFF"/>
+      </a:lt1>
+      <a:dk2>
+        <a:srgbClr val="1F497D"/>
+      </a:dk2>
+      <a:lt2>
+        <a:srgbClr val="EEECE1"/>
+      </a:lt2>
+      <a:accent1>
+        <a:srgbClr val="4F81BD"/>
+      </a:accent1>
+      <a:accent2>
+        <a:srgbClr val="C0504D"/>
+      </a:accent2>
+      <a:accent3>
+        <a:srgbClr val="9BBB59"/>
+      </a:accent3>
+      <a:accent4>
+        <a:srgbClr val="8064A2"/>
+      </a:accent4>
+      <a:accent5>
+        <a:srgbClr val="4BACC6"/>
+      </a:accent5>
+      <a:accent6>
+        <a:srgbClr val="F79646"/>
+      </a:accent6>
+      <a:hlink>
+        <a:srgbClr val="0000FF"/>
+      </a:hlink>
+      <a:folHlink>
+        <a:srgbClr val="800080"/>
+      </a:folHlink>
+    </a:clrScheme>
+    <a:fontScheme name="Office">
+      <a:majorFont>
+        <a:latin typeface="Calibri"/>
+        <a:ea typeface=""/>
+        <a:cs typeface=""/>
+        <a:font script="Jpan" typeface="ＭＳ Ｐゴシック"/>
+        <a:font script="Hang" typeface="맑은 고딕"/>
+        <a:font script="Hans" typeface="宋体"/>
+        <a:font script="Hant" typeface="新細明體"/>
+        <a:font script="Arab" typeface="Times New Roman"/>
+        <a:font script="Hebr" typeface="Times New Roman"/>
+        <a:font script="Thai" typeface="Angsana New"/>
+        <a:font script="Ethi" typeface="Nyala"/>
+        <a:font script="Beng" typeface="Vrinda"/>
+        <a:font script="Gujr" typeface="Shruti"/>
+        <a:font script="Khmr" typeface="MoolBoran"/>
+        <a:font script="Knda" typeface="Tunga"/>
+        <a:font script="Guru" typeface="Raavi"/>
+        <a:font script="Cans" typeface="Euphemia"/>
+        <a:font script="Cher" typeface="Plantagenet Cherokee"/>
+        <a:font script="Yiii" typeface="Microsoft Yi Baiti"/>
+        <a:font script="Tibt" typeface="Microsoft Himalaya"/>
+        <a:font script="Thaa" typeface="MV Boli"/>
+        <a:font script="Deva" typeface="Mangal"/>
+        <a:font script="Telu" typeface="Gautami"/>
+        <a:font script="Taml" typeface="Latha"/>
+        <a:font script="Syrc" typeface="Estrangelo Edessa"/>
+        <a:font script="Orya" typeface="Kalinga"/>
+        <a:font script="Mlym" typeface="Kartika"/>
+        <a:font script="Laoo" typeface="DokChampa"/>
+        <a:font script="Sinh" typeface="Iskoola Pota"/>
+        <a:font script="Mong" typeface="Mongolian Baiti"/>
+        <a:font script="Viet" typeface="Times New Roman"/>
+        <a:font script="Uigh" typeface="Microsoft Uighur"/>
+        <a:font script="Geor" typeface="Sylfaen"/>
+      </a:majorFont>
+      <a:minorFont>
+        <a:latin typeface="Calibri"/>
+        <a:ea typeface=""/>
+        <a:cs typeface=""/>
+        <a:font script="Jpan" typeface="ＭＳ Ｐゴシック"/>
+        <a:font script="Hang" typeface="맑은 고딕"/>
+        <a:font script="Hans" typeface="宋体"/>
+        <a:font script="Hant" typeface="新細明體"/>
+        <a:font script="Arab" typeface="Arial"/>
+        <a:font script="Hebr" typeface="Arial"/>
+        <a:font script="Thai" typeface="Cordia New"/>
+        <a:font script="Ethi" typeface="Nyala"/>
+        <a:font script="Beng" typeface="Vrinda"/>
+        <a:font script="Gujr" typeface="Shruti"/>
+        <a:font script="Khmr" typeface="DaunPenh"/>
+        <a:font script="Knda" typeface="Tunga"/>
+        <a:font script="Guru" typeface="Raavi"/>
+        <a:font script="Cans" typeface="Euphemia"/>
+        <a:font script="Cher" typeface="Plantagenet Cherokee"/>
+        <a:font script="Yiii" typeface="Microsoft Yi Baiti"/>
+        <a:font script="Tibt" typeface="Microsoft Himalaya"/>
+        <a:font script="Thaa" typeface="MV Boli"/>
+        <a:font script="Deva" typeface="Mangal"/>
+        <a:font script="Telu" typeface="Gautami"/>
+        <a:font script="Taml" typeface="Latha"/>
+        <a:font script="Syrc" typeface="Estrangelo Edessa"/>
+        <a:font script="Orya" typeface="Kalinga"/>
+        <a:font script="Mlym" typeface="Kartika"/>
+        <a:font script="Laoo" typeface="DokChampa"/>
+        <a:font script="Sinh" typeface="Iskoola Pota"/>
+        <a:font script="Mong" typeface="Mongolian Baiti"/>
+        <a:font script="Viet" typeface="Arial"/>
+        <a:font script="Uigh" typeface="Microsoft Uighur"/>
+        <a:font script="Geor" typeface="Sylfaen"/>
+      </a:minorFont>
+    </a:fontScheme>
+    <a:fmtScheme name="Office">
+      <a:fillStyleLst>
+        <a:solidFill>
+          <a:schemeClr val="phClr"/>
+        </a:solidFill>
+        <a:gradFill rotWithShape="1">
+          <a:gsLst>
+            <a:gs pos="0">
+              <a:schemeClr val="phClr">
+                <a:tint val="50000"/>
+                <a:satMod val="300000"/>
+              </a:schemeClr>
+            </a:gs>
+            <a:gs pos="35000">
+              <a:schemeClr val="phClr">
+                <a:tint val="37000"/>
+                <a:satMod val="300000"/>
+              </a:schemeClr>
+            </a:gs>
+            <a:gs pos="100000">
+              <a:schemeClr val="phClr">
+                <a:tint val="15000"/>
+                <a:satMod val="350000"/>
+              </a:schemeClr>
+            </a:gs>
+          </a:gsLst>
+          <a:lin ang="16200000" scaled="1"/>
+        </a:gradFill>
+        <a:gradFill rotWithShape="1">
+          <a:gsLst>
+            <a:gs pos="0">
+              <a:schemeClr val="phClr">
+                <a:tint val="100000"/>
+                <a:shade val="100000"/>
+                <a:satMod val="130000"/>
+              </a:schemeClr>
+            </a:gs>
+            <a:gs pos="100000">
+              <a:schemeClr val="phClr">
+                <a:tint val="50000"/>
+                <a:shade val="100000"/>
+                <a:satMod val="350000"/>
+              </a:schemeClr>
+            </a:gs>
+          </a:gsLst>
+          <a:lin ang="16200000" scaled="0"/>
+        </a:gradFill>
+      </a:fillStyleLst>
+      <a:lnStyleLst>
+        <a:ln w="9525" cap="flat" cmpd="sng" algn="ctr">
+          <a:solidFill>
+            <a:schemeClr val="phClr">
+              <a:shade val="95000"/>
+              <a:satMod val="105000"/>
+            </a:schemeClr>
+          </a:solidFill>
+          <a:prstDash val="solid"/>
+        </a:ln>
+        <a:ln w="25400" cap="flat" cmpd="sng" algn="ctr">
+          <a:solidFill>
+            <a:schemeClr val="phClr"/>
+          </a:solidFill>
+          <a:prstDash val="solid"/>
+        </a:ln>
+        <a:ln w="38100" cap="flat" cmpd="sng" algn="ctr">
+          <a:solidFill>
+            <a:schemeClr val="phClr"/>
+          </a:solidFill>
+          <a:prstDash val="solid"/>
+        </a:ln>
+      </a:lnStyleLst>
+      <a:effectStyleLst>
+        <a:effectStyle>
+          <a:effectLst>
+            <a:outerShdw blurRad="40000" dist="20000" dir="5400000" rotWithShape="0">
+              <a:srgbClr val="000000">
+                <a:alpha val="38000"/>
+              </a:srgbClr>
+            </a:outerShdw>
+          </a:effectLst>
+        </a:effectStyle>
+        <a:effectStyle>
+          <a:effectLst>
+            <a:outerShdw blurRad="40000" dist="23000" dir="5400000" rotWithShape="0">
+              <a:srgbClr val="000000">
+                <a:alpha val="35000"/>
+              </a:srgbClr>
+            </a:outerShdw>
+          </a:effectLst>
+        </a:effectStyle>
+        <a:effectStyle>
+          <a:effectLst>
+            <a:outerShdw blurRad="40000" dist="23000" dir="5400000" rotWithShape="0">
+              <a:srgbClr val="000000">
+                <a:alpha val="35000"/>
+              </a:srgbClr>
+            </a:outerShdw>
+          </a:effectLst>
+          <a:scene3d>
+            <a:camera prst="orthographicFront">
+              <a:rot lat="0" lon="0" rev="0"/>
+            </a:camera>
+            <a:lightRig rig="threePt" dir="t">
+              <a:rot lat="0" lon="0" rev="1200000"/>
+            </a:lightRig>
+          </a:scene3d>
+          <a:sp3d>
+            <a:bevelT w="63500" h="25400"/>
+          </a:sp3d>
+        </a:effectStyle>
+      </a:effectStyleLst>
+      <a:bgFillStyleLst>
+        <a:solidFill>
+          <a:schemeClr val="phClr"/>
+        </a:solidFill>
+        <a:gradFill rotWithShape="1">
+          <a:gsLst>
+            <a:gs pos="0">
+              <a:schemeClr val="phClr">
+                <a:tint val="40000"/>
+                <a:satMod val="350000"/>
+              </a:schemeClr>
+            </a:gs>
+            <a:gs pos="40000">
+              <a:schemeClr val="phClr">
+                <a:tint val="45000"/>
+                <a:shade val="99000"/>
+                <a:satMod val="350000"/>
+              </a:schemeClr>
+            </a:gs>
+            <a:gs pos="100000">
+              <a:schemeClr val="phClr">
+                <a:shade val="20000"/>
+                <a:satMod val="255000"/>
+              </a:schemeClr>
+            </a:gs>
+          </a:gsLst>
+          <a:path path="circle">
+            <a:fillToRect l="50000" t="-80000" r="50000" b="180000"/>
+          </a:path>
+        </a:gradFill>
+        <a:gradFill rotWithShape="1">
+          <a:gsLst>
+            <a:gs pos="0">
+              <a:schemeClr val="phClr">
+                <a:tint val="80000"/>
+                <a:satMod val="300000"/>
+              </a:schemeClr>
+            </a:gs>
+            <a:gs pos="100000">
+              <a:schemeClr val="phClr">
+                <a:shade val="30000"/>
+                <a:satMod val="200000"/>
+              </a:schemeClr>
+            </a:gs>
+          </a:gsLst>
+          <a:path path="circle">
+            <a:fillToRect l="50000" t="50000" r="50000" b="50000"/>
+          </a:path>
+        </a:gradFill>
+      </a:bgFillStyleLst>
+    </a:fmtScheme>
+  </a:themeElements>
+  <a:objectDefaults>
+    <a:spDef>
+      <a:spPr/>
+      <a:bodyPr/>
+      <a:lstStyle/>
+      <a:style>
+        <a:lnRef idx="1">
+          <a:schemeClr val="accent1"/>
+        </a:lnRef>
+        <a:fillRef idx="3">
+          <a:schemeClr val="accent1"/>
+        </a:fillRef>
+        <a:effectRef idx="2">
+          <a:schemeClr val="accent1"/>
+        </a:effectRef>
+        <a:fontRef idx="minor">
+          <a:schemeClr val="lt1"/>
+        </a:fontRef>
+      </a:style>
+    </a:spDef>
+    <a:lnDef>
+      <a:spPr/>
+      <a:bodyPr/>
+      <a:lstStyle/>
+      <a:style>
+        <a:lnRef idx="2">
+          <a:schemeClr val="accent1"/>
+        </a:lnRef>
+        <a:fillRef idx="0">
+          <a:schemeClr val="accent1"/>
+        </a:fillRef>
+        <a:effectRef idx="1">
+          <a:schemeClr val="accent1"/>
+        </a:effectRef>
+        <a:fontRef idx="minor">
+          <a:schemeClr val="tx1"/>
+        </a:fontRef>
+      </a:style>
+    </a:lnDef>
+  </a:objectDefaults>
+  <a:extraClrSchemeLst/>
+</a:theme>
 </file>